--- a/Azure Networking.pptx
+++ b/Azure Networking.pptx
@@ -167,7 +167,7 @@
 <file path=ppt/revisionInfo.xml><?xml version="1.0" encoding="utf-8"?>
 <p1510:revInfo xmlns:a="http://schemas.openxmlformats.org/drawingml/2006/main" xmlns:r="http://schemas.openxmlformats.org/officeDocument/2006/relationships" xmlns:p1510="http://schemas.microsoft.com/office/powerpoint/2015/10/main">
   <p1510:revLst>
-    <p1510:client id="{6BF3849F-B8F3-404F-825C-A3DD1C791F27}" v="104" dt="2023-02-17T07:12:57.650"/>
+    <p1510:client id="{6BF3849F-B8F3-404F-825C-A3DD1C791F27}" v="105" dt="2023-02-17T07:26:31.916"/>
   </p1510:revLst>
 </p1510:revInfo>
 </file>
@@ -1324,7 +1324,7 @@
   <pc:docChgLst>
     <pc:chgData name="Ajay Choudhary" userId="d2ce2909-019e-4113-bb02-3f4271467935" providerId="ADAL" clId="{6BF3849F-B8F3-404F-825C-A3DD1C791F27}"/>
     <pc:docChg chg="undo custSel addSld delSld modSld modMainMaster">
-      <pc:chgData name="Ajay Choudhary" userId="d2ce2909-019e-4113-bb02-3f4271467935" providerId="ADAL" clId="{6BF3849F-B8F3-404F-825C-A3DD1C791F27}" dt="2023-02-17T07:16:26.616" v="469" actId="1076"/>
+      <pc:chgData name="Ajay Choudhary" userId="d2ce2909-019e-4113-bb02-3f4271467935" providerId="ADAL" clId="{6BF3849F-B8F3-404F-825C-A3DD1C791F27}" dt="2023-02-17T09:07:27.490" v="623" actId="20577"/>
       <pc:docMkLst>
         <pc:docMk/>
       </pc:docMkLst>
@@ -2690,13 +2690,13 @@
         </pc:picChg>
       </pc:sldChg>
       <pc:sldChg chg="addSp modSp new mod">
-        <pc:chgData name="Ajay Choudhary" userId="d2ce2909-019e-4113-bb02-3f4271467935" providerId="ADAL" clId="{6BF3849F-B8F3-404F-825C-A3DD1C791F27}" dt="2023-02-17T07:10:04.852" v="460" actId="14100"/>
+        <pc:chgData name="Ajay Choudhary" userId="d2ce2909-019e-4113-bb02-3f4271467935" providerId="ADAL" clId="{6BF3849F-B8F3-404F-825C-A3DD1C791F27}" dt="2023-02-17T09:07:27.490" v="623" actId="20577"/>
         <pc:sldMkLst>
           <pc:docMk/>
           <pc:sldMk cId="1146949681" sldId="3859"/>
         </pc:sldMkLst>
         <pc:spChg chg="add mod">
-          <ac:chgData name="Ajay Choudhary" userId="d2ce2909-019e-4113-bb02-3f4271467935" providerId="ADAL" clId="{6BF3849F-B8F3-404F-825C-A3DD1C791F27}" dt="2023-02-17T07:10:04.852" v="460" actId="14100"/>
+          <ac:chgData name="Ajay Choudhary" userId="d2ce2909-019e-4113-bb02-3f4271467935" providerId="ADAL" clId="{6BF3849F-B8F3-404F-825C-A3DD1C791F27}" dt="2023-02-17T09:07:27.490" v="623" actId="20577"/>
           <ac:spMkLst>
             <pc:docMk/>
             <pc:sldMk cId="1146949681" sldId="3859"/>
@@ -20915,7 +20915,7 @@
         <p:spPr>
           <a:xfrm>
             <a:off x="991644" y="902245"/>
-            <a:ext cx="10106416" cy="1200329"/>
+            <a:ext cx="10106416" cy="3693319"/>
           </a:xfrm>
           <a:prstGeom prst="rect">
             <a:avLst/>
@@ -20985,6 +20985,152 @@
               <a:effectLst/>
               <a:latin typeface="Segoe UI" panose="020B0502040204020203" pitchFamily="34" charset="0"/>
             </a:endParaRPr>
+          </a:p>
+          <a:p>
+            <a:pPr marL="285750" indent="-285750" algn="l">
+              <a:buFont typeface="Arial" panose="020B0604020202020204" pitchFamily="34" charset="0"/>
+              <a:buChar char="•"/>
+            </a:pPr>
+            <a:endParaRPr lang="en-US" dirty="0">
+              <a:solidFill>
+                <a:srgbClr val="161616"/>
+              </a:solidFill>
+              <a:latin typeface="Segoe UI" panose="020B0502040204020203" pitchFamily="34" charset="0"/>
+            </a:endParaRPr>
+          </a:p>
+          <a:p>
+            <a:pPr algn="l"/>
+            <a:r>
+              <a:rPr lang="en-US" i="0" dirty="0">
+                <a:solidFill>
+                  <a:srgbClr val="161616"/>
+                </a:solidFill>
+                <a:effectLst/>
+                <a:latin typeface="Segoe UI" panose="020B0502040204020203" pitchFamily="34" charset="0"/>
+              </a:rPr>
+              <a:t>For basic deployment, open Azure CLI from Azure portal which opens in the bottom section of  Azure portal. Execute below code to deployment</a:t>
+            </a:r>
+          </a:p>
+          <a:p>
+            <a:pPr algn="l"/>
+            <a:endParaRPr lang="en-US" dirty="0">
+              <a:solidFill>
+                <a:srgbClr val="161616"/>
+              </a:solidFill>
+              <a:latin typeface="Segoe UI" panose="020B0502040204020203" pitchFamily="34" charset="0"/>
+            </a:endParaRPr>
+          </a:p>
+          <a:p>
+            <a:pPr algn="l"/>
+            <a:r>
+              <a:rPr lang="en-US" i="0" dirty="0" err="1">
+                <a:solidFill>
+                  <a:srgbClr val="161616"/>
+                </a:solidFill>
+                <a:effectLst/>
+                <a:latin typeface="Segoe UI" panose="020B0502040204020203" pitchFamily="34" charset="0"/>
+              </a:rPr>
+              <a:t>az</a:t>
+            </a:r>
+            <a:r>
+              <a:rPr lang="en-US" i="0" dirty="0">
+                <a:solidFill>
+                  <a:srgbClr val="161616"/>
+                </a:solidFill>
+                <a:effectLst/>
+                <a:latin typeface="Segoe UI" panose="020B0502040204020203" pitchFamily="34" charset="0"/>
+              </a:rPr>
+              <a:t> group create --name hub-spoke --location </a:t>
+            </a:r>
+            <a:r>
+              <a:rPr lang="en-US" i="0" dirty="0" err="1">
+                <a:solidFill>
+                  <a:srgbClr val="161616"/>
+                </a:solidFill>
+                <a:effectLst/>
+                <a:latin typeface="Segoe UI" panose="020B0502040204020203" pitchFamily="34" charset="0"/>
+              </a:rPr>
+              <a:t>eastus</a:t>
+            </a:r>
+            <a:endParaRPr lang="en-US" i="0" dirty="0">
+              <a:solidFill>
+                <a:srgbClr val="161616"/>
+              </a:solidFill>
+              <a:effectLst/>
+              <a:latin typeface="Segoe UI" panose="020B0502040204020203" pitchFamily="34" charset="0"/>
+            </a:endParaRPr>
+          </a:p>
+          <a:p>
+            <a:pPr algn="l"/>
+            <a:endParaRPr lang="en-US" dirty="0">
+              <a:solidFill>
+                <a:srgbClr val="161616"/>
+              </a:solidFill>
+              <a:latin typeface="Segoe UI" panose="020B0502040204020203" pitchFamily="34" charset="0"/>
+            </a:endParaRPr>
+          </a:p>
+          <a:p>
+            <a:pPr algn="l"/>
+            <a:r>
+              <a:rPr lang="en-US" i="0" dirty="0" err="1">
+                <a:solidFill>
+                  <a:srgbClr val="161616"/>
+                </a:solidFill>
+                <a:effectLst/>
+                <a:latin typeface="Segoe UI" panose="020B0502040204020203" pitchFamily="34" charset="0"/>
+              </a:rPr>
+              <a:t>az</a:t>
+            </a:r>
+            <a:r>
+              <a:rPr lang="en-US" i="0" dirty="0">
+                <a:solidFill>
+                  <a:srgbClr val="161616"/>
+                </a:solidFill>
+                <a:effectLst/>
+                <a:latin typeface="Segoe UI" panose="020B0502040204020203" pitchFamily="34" charset="0"/>
+              </a:rPr>
+              <a:t> deployment group create --</a:t>
+            </a:r>
+            <a:r>
+              <a:rPr lang="en-US" i="0">
+                <a:solidFill>
+                  <a:srgbClr val="161616"/>
+                </a:solidFill>
+                <a:effectLst/>
+                <a:latin typeface="Segoe UI" panose="020B0502040204020203" pitchFamily="34" charset="0"/>
+              </a:rPr>
+              <a:t>resource-group hub-spoke   </a:t>
+            </a:r>
+            <a:r>
+              <a:rPr lang="en-US" i="0" dirty="0">
+                <a:solidFill>
+                  <a:srgbClr val="161616"/>
+                </a:solidFill>
+                <a:effectLst/>
+                <a:latin typeface="Segoe UI" panose="020B0502040204020203" pitchFamily="34" charset="0"/>
+              </a:rPr>
+              <a:t>--template-</a:t>
+            </a:r>
+            <a:r>
+              <a:rPr lang="en-US" i="0" dirty="0" err="1">
+                <a:solidFill>
+                  <a:srgbClr val="161616"/>
+                </a:solidFill>
+                <a:effectLst/>
+                <a:latin typeface="Segoe UI" panose="020B0502040204020203" pitchFamily="34" charset="0"/>
+              </a:rPr>
+              <a:t>uri</a:t>
+            </a:r>
+            <a:r>
+              <a:rPr lang="en-US" i="0" dirty="0">
+                <a:solidFill>
+                  <a:srgbClr val="161616"/>
+                </a:solidFill>
+                <a:effectLst/>
+                <a:latin typeface="Segoe UI" panose="020B0502040204020203" pitchFamily="34" charset="0"/>
+              </a:rPr>
+              <a:t> https://raw.githubusercontent.com/mspnp/samples/main/solutions/azure-hub-spoke/azuredeploy.json</a:t>
+            </a:r>
           </a:p>
         </p:txBody>
       </p:sp>
@@ -27268,21 +27414,21 @@
 </file>
 
 <file path=customXml/item2.xml><?xml version="1.0" encoding="utf-8"?>
+<p:properties xmlns:p="http://schemas.microsoft.com/office/2006/metadata/properties" xmlns:xsi="http://www.w3.org/2001/XMLSchema-instance" xmlns:pc="http://schemas.microsoft.com/office/infopath/2007/PartnerControls">
+  <documentManagement>
+    <Status xmlns="71af3243-3dd4-4a8d-8c0d-dd76da1f02a5">Not started</Status>
+    <MediaServiceKeyPoints xmlns="71af3243-3dd4-4a8d-8c0d-dd76da1f02a5" xsi:nil="true"/>
+  </documentManagement>
+</p:properties>
+</file>
+
+<file path=customXml/item3.xml><?xml version="1.0" encoding="utf-8"?>
 <?mso-contentType ?>
 <FormTemplates xmlns="http://schemas.microsoft.com/sharepoint/v3/contenttype/forms">
   <Display>DocumentLibraryForm</Display>
   <Edit>DocumentLibraryForm</Edit>
   <New>DocumentLibraryForm</New>
 </FormTemplates>
-</file>
-
-<file path=customXml/item3.xml><?xml version="1.0" encoding="utf-8"?>
-<p:properties xmlns:p="http://schemas.microsoft.com/office/2006/metadata/properties" xmlns:xsi="http://www.w3.org/2001/XMLSchema-instance" xmlns:pc="http://schemas.microsoft.com/office/infopath/2007/PartnerControls">
-  <documentManagement>
-    <Status xmlns="71af3243-3dd4-4a8d-8c0d-dd76da1f02a5">Not started</Status>
-    <MediaServiceKeyPoints xmlns="71af3243-3dd4-4a8d-8c0d-dd76da1f02a5" xsi:nil="true"/>
-  </documentManagement>
-</p:properties>
 </file>
 
 <file path=customXml/itemProps1.xml><?xml version="1.0" encoding="utf-8"?>
@@ -27305,14 +27451,6 @@
 </file>
 
 <file path=customXml/itemProps2.xml><?xml version="1.0" encoding="utf-8"?>
-<ds:datastoreItem xmlns:ds="http://schemas.openxmlformats.org/officeDocument/2006/customXml" ds:itemID="{1A449C04-64B3-4403-94B7-8D2284C38D1B}">
-  <ds:schemaRefs>
-    <ds:schemaRef ds:uri="http://schemas.microsoft.com/sharepoint/v3/contenttype/forms"/>
-  </ds:schemaRefs>
-</ds:datastoreItem>
-</file>
-
-<file path=customXml/itemProps3.xml><?xml version="1.0" encoding="utf-8"?>
 <ds:datastoreItem xmlns:ds="http://schemas.openxmlformats.org/officeDocument/2006/customXml" ds:itemID="{FBDEF148-1770-458F-8F5B-C3D0A278AA97}">
   <ds:schemaRefs>
     <ds:schemaRef ds:uri="http://schemas.microsoft.com/office/2006/metadata/properties"/>
@@ -27320,4 +27458,12 @@
     <ds:schemaRef ds:uri="71af3243-3dd4-4a8d-8c0d-dd76da1f02a5"/>
   </ds:schemaRefs>
 </ds:datastoreItem>
+</file>
+
+<file path=customXml/itemProps3.xml><?xml version="1.0" encoding="utf-8"?>
+<ds:datastoreItem xmlns:ds="http://schemas.openxmlformats.org/officeDocument/2006/customXml" ds:itemID="{1A449C04-64B3-4403-94B7-8D2284C38D1B}">
+  <ds:schemaRefs>
+    <ds:schemaRef ds:uri="http://schemas.microsoft.com/sharepoint/v3/contenttype/forms"/>
+  </ds:schemaRefs>
+</ds:datastoreItem>
 </file>